--- a/Team16 (Куценко, Герасимов)/Garbage Collector.pptx
+++ b/Team16 (Куценко, Герасимов)/Garbage Collector.pptx
@@ -6,16 +6,16 @@
   </p:sldMasterIdLst>
   <p:sldIdLst>
     <p:sldId id="256" r:id="rId2"/>
-    <p:sldId id="257" r:id="rId3"/>
-    <p:sldId id="259" r:id="rId4"/>
+    <p:sldId id="259" r:id="rId3"/>
+    <p:sldId id="257" r:id="rId4"/>
     <p:sldId id="260" r:id="rId5"/>
     <p:sldId id="261" r:id="rId6"/>
     <p:sldId id="262" r:id="rId7"/>
     <p:sldId id="263" r:id="rId8"/>
     <p:sldId id="264" r:id="rId9"/>
     <p:sldId id="265" r:id="rId10"/>
-    <p:sldId id="266" r:id="rId11"/>
-    <p:sldId id="276" r:id="rId12"/>
+    <p:sldId id="276" r:id="rId11"/>
+    <p:sldId id="266" r:id="rId12"/>
     <p:sldId id="277" r:id="rId13"/>
     <p:sldId id="278" r:id="rId14"/>
     <p:sldId id="279" r:id="rId15"/>
@@ -139,6 +139,7 @@
 <file path=ppt/revisionInfo.xml><?xml version="1.0" encoding="utf-8"?>
 <p1510:revInfo xmlns:a="http://schemas.openxmlformats.org/drawingml/2006/main" xmlns:r="http://schemas.openxmlformats.org/officeDocument/2006/relationships" xmlns:p1510="http://schemas.microsoft.com/office/powerpoint/2015/10/main">
   <p1510:revLst>
+    <p1510:client id="{095B1B2A-0382-4044-9636-82177EEBE3B4}" v="16" dt="2025-12-06T08:43:24.327"/>
     <p1510:client id="{3C7D9F83-FDA4-4FE0-AF9A-B62D782651FF}" v="2548" dt="2025-12-05T08:10:51.668"/>
     <p1510:client id="{7C1DE9F8-EE3F-4207-947A-118BFB6FC5B9}" v="264" dt="2025-12-05T12:17:42.169"/>
   </p1510:revLst>
@@ -274,7 +275,7 @@
           <a:p>
             <a:fld id="{C764DE79-268F-4C1A-8933-263129D2AF90}" type="datetimeFigureOut">
               <a:rPr lang="en-US" dirty="0"/>
-              <a:t>12/5/2025</a:t>
+              <a:t>12/6/2025</a:t>
             </a:fld>
             <a:endParaRPr lang="en-US" dirty="0"/>
           </a:p>
@@ -442,7 +443,7 @@
           <a:p>
             <a:fld id="{C764DE79-268F-4C1A-8933-263129D2AF90}" type="datetimeFigureOut">
               <a:rPr lang="en-US" dirty="0"/>
-              <a:t>12/5/2025</a:t>
+              <a:t>12/6/2025</a:t>
             </a:fld>
             <a:endParaRPr lang="en-US" dirty="0"/>
           </a:p>
@@ -620,7 +621,7 @@
           <a:p>
             <a:fld id="{C764DE79-268F-4C1A-8933-263129D2AF90}" type="datetimeFigureOut">
               <a:rPr lang="en-US" dirty="0"/>
-              <a:t>12/5/2025</a:t>
+              <a:t>12/6/2025</a:t>
             </a:fld>
             <a:endParaRPr lang="en-US" dirty="0"/>
           </a:p>
@@ -788,7 +789,7 @@
           <a:p>
             <a:fld id="{C764DE79-268F-4C1A-8933-263129D2AF90}" type="datetimeFigureOut">
               <a:rPr lang="en-US" dirty="0"/>
-              <a:t>12/5/2025</a:t>
+              <a:t>12/6/2025</a:t>
             </a:fld>
             <a:endParaRPr lang="en-US" dirty="0"/>
           </a:p>
@@ -1033,7 +1034,7 @@
           <a:p>
             <a:fld id="{C764DE79-268F-4C1A-8933-263129D2AF90}" type="datetimeFigureOut">
               <a:rPr lang="en-US" dirty="0"/>
-              <a:t>12/5/2025</a:t>
+              <a:t>12/6/2025</a:t>
             </a:fld>
             <a:endParaRPr lang="en-US" dirty="0"/>
           </a:p>
@@ -1262,7 +1263,7 @@
           <a:p>
             <a:fld id="{C764DE79-268F-4C1A-8933-263129D2AF90}" type="datetimeFigureOut">
               <a:rPr lang="en-US" dirty="0"/>
-              <a:t>12/5/2025</a:t>
+              <a:t>12/6/2025</a:t>
             </a:fld>
             <a:endParaRPr lang="en-US" dirty="0"/>
           </a:p>
@@ -1626,7 +1627,7 @@
           <a:p>
             <a:fld id="{C764DE79-268F-4C1A-8933-263129D2AF90}" type="datetimeFigureOut">
               <a:rPr lang="en-US" dirty="0"/>
-              <a:t>12/5/2025</a:t>
+              <a:t>12/6/2025</a:t>
             </a:fld>
             <a:endParaRPr lang="en-US" dirty="0"/>
           </a:p>
@@ -1743,7 +1744,7 @@
           <a:p>
             <a:fld id="{C764DE79-268F-4C1A-8933-263129D2AF90}" type="datetimeFigureOut">
               <a:rPr lang="en-US" dirty="0"/>
-              <a:t>12/5/2025</a:t>
+              <a:t>12/6/2025</a:t>
             </a:fld>
             <a:endParaRPr lang="en-US" dirty="0"/>
           </a:p>
@@ -1838,7 +1839,7 @@
           <a:p>
             <a:fld id="{C764DE79-268F-4C1A-8933-263129D2AF90}" type="datetimeFigureOut">
               <a:rPr lang="en-US" dirty="0"/>
-              <a:t>12/5/2025</a:t>
+              <a:t>12/6/2025</a:t>
             </a:fld>
             <a:endParaRPr lang="en-US" dirty="0"/>
           </a:p>
@@ -2113,7 +2114,7 @@
           <a:p>
             <a:fld id="{C764DE79-268F-4C1A-8933-263129D2AF90}" type="datetimeFigureOut">
               <a:rPr lang="en-US" dirty="0"/>
-              <a:t>12/5/2025</a:t>
+              <a:t>12/6/2025</a:t>
             </a:fld>
             <a:endParaRPr lang="en-US" dirty="0"/>
           </a:p>
@@ -2365,7 +2366,7 @@
           <a:p>
             <a:fld id="{C764DE79-268F-4C1A-8933-263129D2AF90}" type="datetimeFigureOut">
               <a:rPr lang="en-US" dirty="0"/>
-              <a:t>12/5/2025</a:t>
+              <a:t>12/6/2025</a:t>
             </a:fld>
             <a:endParaRPr lang="en-US" dirty="0"/>
           </a:p>
@@ -2576,7 +2577,7 @@
           <a:p>
             <a:fld id="{C764DE79-268F-4C1A-8933-263129D2AF90}" type="datetimeFigureOut">
               <a:rPr lang="en-US" dirty="0"/>
-              <a:t>12/5/2025</a:t>
+              <a:t>12/6/2025</a:t>
             </a:fld>
             <a:endParaRPr lang="en-US" dirty="0"/>
           </a:p>
@@ -3068,7 +3069,7 @@
           <p:cNvPr id="2" name="Заголовок 1">
             <a:extLst>
               <a:ext uri="{FF2B5EF4-FFF2-40B4-BE49-F238E27FC236}">
-                <a16:creationId xmlns:a16="http://schemas.microsoft.com/office/drawing/2014/main" id="{F7A4CA1F-96B5-27C8-97EE-7DCBC19C1716}"/>
+                <a16:creationId xmlns:a16="http://schemas.microsoft.com/office/drawing/2014/main" id="{7AE3FCA9-F9CB-DE5F-C87F-9BC98CB144C2}"/>
               </a:ext>
             </a:extLst>
           </p:cNvPr>
@@ -3087,17 +3088,17 @@
             <a:pPr algn="ctr"/>
             <a:r>
               <a:rPr lang="ru-RU" dirty="0"/>
-              <a:t>Пример</a:t>
+              <a:t>Пример настройки GC</a:t>
             </a:r>
           </a:p>
         </p:txBody>
       </p:sp>
       <p:pic>
         <p:nvPicPr>
-          <p:cNvPr id="3" name="Объект 2" descr="Изображение выглядит как текст, снимок экрана, Шрифт&#10;&#10;Содержимое, созданное искусственным интеллектом, может быть неверным.">
+          <p:cNvPr id="4" name="Объект 3" descr="Изображение выглядит как текст, Шрифт, снимок экрана, типография&#10;&#10;Содержимое, созданное искусственным интеллектом, может быть неверным.">
             <a:extLst>
               <a:ext uri="{FF2B5EF4-FFF2-40B4-BE49-F238E27FC236}">
-                <a16:creationId xmlns:a16="http://schemas.microsoft.com/office/drawing/2014/main" id="{7D1A4286-5F70-351B-EEE5-C91089AD559B}"/>
+                <a16:creationId xmlns:a16="http://schemas.microsoft.com/office/drawing/2014/main" id="{27EA5029-D879-9537-5886-D8398FC2DDBE}"/>
               </a:ext>
             </a:extLst>
           </p:cNvPr>
@@ -3116,8 +3117,8 @@
         </p:blipFill>
         <p:spPr>
           <a:xfrm>
-            <a:off x="2800350" y="1689894"/>
-            <a:ext cx="6604000" cy="4775200"/>
+            <a:off x="1871662" y="2235994"/>
+            <a:ext cx="8448675" cy="2895600"/>
           </a:xfrm>
           <a:prstGeom prst="rect">
             <a:avLst/>
@@ -3127,7 +3128,7 @@
     </p:spTree>
     <p:extLst>
       <p:ext uri="{BB962C8B-B14F-4D97-AF65-F5344CB8AC3E}">
-        <p14:creationId xmlns:p14="http://schemas.microsoft.com/office/powerpoint/2010/main" val="3663291609"/>
+        <p14:creationId xmlns:p14="http://schemas.microsoft.com/office/powerpoint/2010/main" val="1014769320"/>
       </p:ext>
     </p:extLst>
   </p:cSld>
@@ -3159,7 +3160,7 @@
           <p:cNvPr id="2" name="Заголовок 1">
             <a:extLst>
               <a:ext uri="{FF2B5EF4-FFF2-40B4-BE49-F238E27FC236}">
-                <a16:creationId xmlns:a16="http://schemas.microsoft.com/office/drawing/2014/main" id="{7AE3FCA9-F9CB-DE5F-C87F-9BC98CB144C2}"/>
+                <a16:creationId xmlns:a16="http://schemas.microsoft.com/office/drawing/2014/main" id="{F7A4CA1F-96B5-27C8-97EE-7DCBC19C1716}"/>
               </a:ext>
             </a:extLst>
           </p:cNvPr>
@@ -3178,17 +3179,17 @@
             <a:pPr algn="ctr"/>
             <a:r>
               <a:rPr lang="ru-RU" dirty="0"/>
-              <a:t>Настройки GC</a:t>
+              <a:t>Пример</a:t>
             </a:r>
           </a:p>
         </p:txBody>
       </p:sp>
       <p:pic>
         <p:nvPicPr>
-          <p:cNvPr id="4" name="Объект 3" descr="Изображение выглядит как текст, Шрифт, снимок экрана, типография&#10;&#10;Содержимое, созданное искусственным интеллектом, может быть неверным.">
+          <p:cNvPr id="3" name="Объект 2" descr="Изображение выглядит как текст, снимок экрана, Шрифт&#10;&#10;Содержимое, созданное искусственным интеллектом, может быть неверным.">
             <a:extLst>
               <a:ext uri="{FF2B5EF4-FFF2-40B4-BE49-F238E27FC236}">
-                <a16:creationId xmlns:a16="http://schemas.microsoft.com/office/drawing/2014/main" id="{27EA5029-D879-9537-5886-D8398FC2DDBE}"/>
+                <a16:creationId xmlns:a16="http://schemas.microsoft.com/office/drawing/2014/main" id="{7D1A4286-5F70-351B-EEE5-C91089AD559B}"/>
               </a:ext>
             </a:extLst>
           </p:cNvPr>
@@ -3207,8 +3208,8 @@
         </p:blipFill>
         <p:spPr>
           <a:xfrm>
-            <a:off x="1871662" y="2235994"/>
-            <a:ext cx="8448675" cy="2895600"/>
+            <a:off x="2800350" y="1689894"/>
+            <a:ext cx="6604000" cy="4775200"/>
           </a:xfrm>
           <a:prstGeom prst="rect">
             <a:avLst/>
@@ -3218,7 +3219,7 @@
     </p:spTree>
     <p:extLst>
       <p:ext uri="{BB962C8B-B14F-4D97-AF65-F5344CB8AC3E}">
-        <p14:creationId xmlns:p14="http://schemas.microsoft.com/office/powerpoint/2010/main" val="1014769320"/>
+        <p14:creationId xmlns:p14="http://schemas.microsoft.com/office/powerpoint/2010/main" val="3663291609"/>
       </p:ext>
     </p:extLst>
   </p:cSld>
@@ -6036,7 +6037,7 @@
           <p:cNvPr id="2" name="Заголовок 1">
             <a:extLst>
               <a:ext uri="{FF2B5EF4-FFF2-40B4-BE49-F238E27FC236}">
-                <a16:creationId xmlns:a16="http://schemas.microsoft.com/office/drawing/2014/main" id="{4C0B7ACA-DF1B-7382-4FDF-9223EB327D05}"/>
+                <a16:creationId xmlns:a16="http://schemas.microsoft.com/office/drawing/2014/main" id="{A3947CD1-BD40-A855-CF44-AD5264F4191D}"/>
               </a:ext>
             </a:extLst>
           </p:cNvPr>
@@ -6055,27 +6056,59 @@
             <a:pPr algn="ctr"/>
             <a:r>
               <a:rPr lang="ru-RU" dirty="0"/>
-              <a:t>Структура памяти Java</a:t>
-            </a:r>
-            <a:endParaRPr lang="ru-RU"/>
+              <a:t>Что такое мусор</a:t>
+            </a:r>
+          </a:p>
+        </p:txBody>
+      </p:sp>
+      <p:sp>
+        <p:nvSpPr>
+          <p:cNvPr id="3" name="Объект 2">
+            <a:extLst>
+              <a:ext uri="{FF2B5EF4-FFF2-40B4-BE49-F238E27FC236}">
+                <a16:creationId xmlns:a16="http://schemas.microsoft.com/office/drawing/2014/main" id="{D978A9F3-77C2-5C41-7DC4-3EC3A19C8ACE}"/>
+              </a:ext>
+            </a:extLst>
+          </p:cNvPr>
+          <p:cNvSpPr>
+            <a:spLocks noGrp="1"/>
+          </p:cNvSpPr>
+          <p:nvPr>
+            <p:ph idx="1"/>
+          </p:nvPr>
+        </p:nvSpPr>
+        <p:spPr>
+          <a:xfrm>
+            <a:off x="838200" y="1825625"/>
+            <a:ext cx="10515600" cy="4351338"/>
+          </a:xfrm>
+        </p:spPr>
+        <p:txBody>
+          <a:bodyPr vert="horz" lIns="91440" tIns="45720" rIns="91440" bIns="45720" rtlCol="0" anchor="t">
+            <a:normAutofit/>
+          </a:bodyPr>
+          <a:lstStyle/>
+          <a:p>
+            <a:r>
+              <a:rPr lang="ru-RU" dirty="0"/>
+              <a:t>Мусор - это объект в памяти программы, который больше не может быть достигнут по ссылке.</a:t>
+            </a:r>
           </a:p>
         </p:txBody>
       </p:sp>
       <p:pic>
         <p:nvPicPr>
-          <p:cNvPr id="4" name="Объект 3" descr="Изображение выглядит как текст, снимок экрана, Прямоугольник, Шрифт&#10;&#10;Содержимое, созданное искусственным интеллектом, может быть неверным.">
+          <p:cNvPr id="4" name="Рисунок 3" descr="Изображение выглядит как текст, снимок экрана, Шрифт&#10;&#10;Содержимое, созданное искусственным интеллектом, может быть неверным.">
             <a:extLst>
               <a:ext uri="{FF2B5EF4-FFF2-40B4-BE49-F238E27FC236}">
-                <a16:creationId xmlns:a16="http://schemas.microsoft.com/office/drawing/2014/main" id="{7448F686-329B-EFEB-2615-99BC708D15B8}"/>
+                <a16:creationId xmlns:a16="http://schemas.microsoft.com/office/drawing/2014/main" id="{C96076F6-ECFE-4953-77F4-36CDD4FB1709}"/>
               </a:ext>
             </a:extLst>
           </p:cNvPr>
           <p:cNvPicPr>
-            <a:picLocks noGrp="1" noChangeAspect="1"/>
+            <a:picLocks noChangeAspect="1"/>
           </p:cNvPicPr>
-          <p:nvPr>
-            <p:ph idx="1"/>
-          </p:nvPr>
+          <p:nvPr/>
         </p:nvPicPr>
         <p:blipFill>
           <a:blip r:embed="rId2"/>
@@ -6085,8 +6118,8 @@
         </p:blipFill>
         <p:spPr>
           <a:xfrm>
-            <a:off x="1753250" y="1516706"/>
-            <a:ext cx="8685500" cy="4649959"/>
+            <a:off x="1683995" y="2980553"/>
+            <a:ext cx="8844605" cy="3100516"/>
           </a:xfrm>
           <a:prstGeom prst="rect">
             <a:avLst/>
@@ -6096,7 +6129,7 @@
     </p:spTree>
     <p:extLst>
       <p:ext uri="{BB962C8B-B14F-4D97-AF65-F5344CB8AC3E}">
-        <p14:creationId xmlns:p14="http://schemas.microsoft.com/office/powerpoint/2010/main" val="3334281703"/>
+        <p14:creationId xmlns:p14="http://schemas.microsoft.com/office/powerpoint/2010/main" val="3972963575"/>
       </p:ext>
     </p:extLst>
   </p:cSld>
@@ -6668,7 +6701,7 @@
           <p:cNvPr id="2" name="Заголовок 1">
             <a:extLst>
               <a:ext uri="{FF2B5EF4-FFF2-40B4-BE49-F238E27FC236}">
-                <a16:creationId xmlns:a16="http://schemas.microsoft.com/office/drawing/2014/main" id="{A3947CD1-BD40-A855-CF44-AD5264F4191D}"/>
+                <a16:creationId xmlns:a16="http://schemas.microsoft.com/office/drawing/2014/main" id="{4C0B7ACA-DF1B-7382-4FDF-9223EB327D05}"/>
               </a:ext>
             </a:extLst>
           </p:cNvPr>
@@ -6687,59 +6720,27 @@
             <a:pPr algn="ctr"/>
             <a:r>
               <a:rPr lang="ru-RU" dirty="0"/>
-              <a:t>Что такое мусор</a:t>
-            </a:r>
-          </a:p>
-        </p:txBody>
-      </p:sp>
-      <p:sp>
-        <p:nvSpPr>
-          <p:cNvPr id="3" name="Объект 2">
+              <a:t>Структура памяти Java</a:t>
+            </a:r>
+            <a:endParaRPr lang="ru-RU"/>
+          </a:p>
+        </p:txBody>
+      </p:sp>
+      <p:pic>
+        <p:nvPicPr>
+          <p:cNvPr id="4" name="Объект 3" descr="Изображение выглядит как текст, снимок экрана, Прямоугольник, Шрифт&#10;&#10;Содержимое, созданное искусственным интеллектом, может быть неверным.">
             <a:extLst>
               <a:ext uri="{FF2B5EF4-FFF2-40B4-BE49-F238E27FC236}">
-                <a16:creationId xmlns:a16="http://schemas.microsoft.com/office/drawing/2014/main" id="{D978A9F3-77C2-5C41-7DC4-3EC3A19C8ACE}"/>
-              </a:ext>
-            </a:extLst>
-          </p:cNvPr>
-          <p:cNvSpPr>
-            <a:spLocks noGrp="1"/>
-          </p:cNvSpPr>
-          <p:nvPr>
-            <p:ph idx="1"/>
-          </p:nvPr>
-        </p:nvSpPr>
-        <p:spPr>
-          <a:xfrm>
-            <a:off x="838200" y="1825625"/>
-            <a:ext cx="10515600" cy="4351338"/>
-          </a:xfrm>
-        </p:spPr>
-        <p:txBody>
-          <a:bodyPr vert="horz" lIns="91440" tIns="45720" rIns="91440" bIns="45720" rtlCol="0" anchor="t">
-            <a:normAutofit/>
-          </a:bodyPr>
-          <a:lstStyle/>
-          <a:p>
-            <a:r>
-              <a:rPr lang="ru-RU" dirty="0"/>
-              <a:t>Мусор - это объект в памяти программы, который больше не может быть достигнут по ссылке.</a:t>
-            </a:r>
-          </a:p>
-        </p:txBody>
-      </p:sp>
-      <p:pic>
-        <p:nvPicPr>
-          <p:cNvPr id="4" name="Рисунок 3" descr="Изображение выглядит как текст, снимок экрана, Шрифт&#10;&#10;Содержимое, созданное искусственным интеллектом, может быть неверным.">
-            <a:extLst>
-              <a:ext uri="{FF2B5EF4-FFF2-40B4-BE49-F238E27FC236}">
-                <a16:creationId xmlns:a16="http://schemas.microsoft.com/office/drawing/2014/main" id="{C96076F6-ECFE-4953-77F4-36CDD4FB1709}"/>
+                <a16:creationId xmlns:a16="http://schemas.microsoft.com/office/drawing/2014/main" id="{7448F686-329B-EFEB-2615-99BC708D15B8}"/>
               </a:ext>
             </a:extLst>
           </p:cNvPr>
           <p:cNvPicPr>
-            <a:picLocks noChangeAspect="1"/>
+            <a:picLocks noGrp="1" noChangeAspect="1"/>
           </p:cNvPicPr>
-          <p:nvPr/>
+          <p:nvPr>
+            <p:ph idx="1"/>
+          </p:nvPr>
         </p:nvPicPr>
         <p:blipFill>
           <a:blip r:embed="rId2"/>
@@ -6749,8 +6750,8 @@
         </p:blipFill>
         <p:spPr>
           <a:xfrm>
-            <a:off x="1683995" y="2980553"/>
-            <a:ext cx="8844605" cy="3100516"/>
+            <a:off x="1753250" y="1516706"/>
+            <a:ext cx="8685500" cy="4649959"/>
           </a:xfrm>
           <a:prstGeom prst="rect">
             <a:avLst/>
@@ -6760,7 +6761,7 @@
     </p:spTree>
     <p:extLst>
       <p:ext uri="{BB962C8B-B14F-4D97-AF65-F5344CB8AC3E}">
-        <p14:creationId xmlns:p14="http://schemas.microsoft.com/office/powerpoint/2010/main" val="3972963575"/>
+        <p14:creationId xmlns:p14="http://schemas.microsoft.com/office/powerpoint/2010/main" val="3334281703"/>
       </p:ext>
     </p:extLst>
   </p:cSld>
